--- a/dynamic style transfer with vae-gan  Deepa.pptx
+++ b/dynamic style transfer with vae-gan  Deepa.pptx
@@ -115,7 +115,7 @@
   </p:defaultTextStyle>
   <p:extLst>
     <p:ext uri="{EFAFB233-063F-42B5-8137-9DF3F51BA10A}">
-      <p15:sldGuideLst xmlns:p15="http://schemas.microsoft.com/office/powerpoint/2012/main" xmlns="">
+      <p15:sldGuideLst xmlns="" xmlns:p15="http://schemas.microsoft.com/office/powerpoint/2012/main">
         <p15:guide id="1" orient="horz" pos="2880">
           <p15:clr>
             <a:srgbClr val="A4A3A4"/>
@@ -2970,7 +2970,7 @@
           <p:cNvPr id="14" name="TextBox 13">
             <a:extLst>
               <a:ext uri="{FF2B5EF4-FFF2-40B4-BE49-F238E27FC236}">
-                <a16:creationId xmlns:a16="http://schemas.microsoft.com/office/drawing/2014/main" xmlns="" id="{490BC127-869C-A3F6-572E-C89255A675DE}"/>
+                <a16:creationId xmlns="" xmlns:a16="http://schemas.microsoft.com/office/drawing/2014/main" id="{490BC127-869C-A3F6-572E-C89255A675DE}"/>
               </a:ext>
             </a:extLst>
           </p:cNvPr>
@@ -3017,7 +3017,7 @@
           <p:cNvPr id="10" name="TextBox 9">
             <a:extLst>
               <a:ext uri="{FF2B5EF4-FFF2-40B4-BE49-F238E27FC236}">
-                <a16:creationId xmlns:a16="http://schemas.microsoft.com/office/drawing/2014/main" xmlns="" id="{E4F960F3-EA4C-3185-FD9A-6283AF8BCCFA}"/>
+                <a16:creationId xmlns="" xmlns:a16="http://schemas.microsoft.com/office/drawing/2014/main" id="{E4F960F3-EA4C-3185-FD9A-6283AF8BCCFA}"/>
               </a:ext>
             </a:extLst>
           </p:cNvPr>
@@ -4054,7 +4054,7 @@
           <p:cNvPr id="24" name="TextBox 23">
             <a:extLst>
               <a:ext uri="{FF2B5EF4-FFF2-40B4-BE49-F238E27FC236}">
-                <a16:creationId xmlns:a16="http://schemas.microsoft.com/office/drawing/2014/main" xmlns="" id="{D353667B-6647-3951-76E1-B1B40EC14D2C}"/>
+                <a16:creationId xmlns="" xmlns:a16="http://schemas.microsoft.com/office/drawing/2014/main" id="{D353667B-6647-3951-76E1-B1B40EC14D2C}"/>
               </a:ext>
             </a:extLst>
           </p:cNvPr>
@@ -4117,7 +4117,7 @@
           <p:cNvPr id="2052" name="Picture 4" descr="Generative AI with VAEs, GANs ...">
             <a:extLst>
               <a:ext uri="{FF2B5EF4-FFF2-40B4-BE49-F238E27FC236}">
-                <a16:creationId xmlns:a16="http://schemas.microsoft.com/office/drawing/2014/main" xmlns="" id="{57E827FB-E510-B2FC-09F7-DBD897EF8B58}"/>
+                <a16:creationId xmlns="" xmlns:a16="http://schemas.microsoft.com/office/drawing/2014/main" id="{57E827FB-E510-B2FC-09F7-DBD897EF8B58}"/>
               </a:ext>
             </a:extLst>
           </p:cNvPr>
@@ -5322,7 +5322,7 @@
           <p:cNvPr id="24" name="TextBox 23">
             <a:extLst>
               <a:ext uri="{FF2B5EF4-FFF2-40B4-BE49-F238E27FC236}">
-                <a16:creationId xmlns:a16="http://schemas.microsoft.com/office/drawing/2014/main" xmlns="" id="{D3934DF2-996C-10AA-46CC-DD47EB1CEDC4}"/>
+                <a16:creationId xmlns="" xmlns:a16="http://schemas.microsoft.com/office/drawing/2014/main" id="{D3934DF2-996C-10AA-46CC-DD47EB1CEDC4}"/>
               </a:ext>
             </a:extLst>
           </p:cNvPr>
@@ -6010,7 +6010,7 @@
           <p:cNvPr id="12" name="TextBox 11">
             <a:extLst>
               <a:ext uri="{FF2B5EF4-FFF2-40B4-BE49-F238E27FC236}">
-                <a16:creationId xmlns:a16="http://schemas.microsoft.com/office/drawing/2014/main" xmlns="" id="{F799D67F-5568-D176-429A-EBF07F3E4BE1}"/>
+                <a16:creationId xmlns="" xmlns:a16="http://schemas.microsoft.com/office/drawing/2014/main" id="{F799D67F-5568-D176-429A-EBF07F3E4BE1}"/>
               </a:ext>
             </a:extLst>
           </p:cNvPr>
@@ -6552,7 +6552,7 @@
           <p:cNvPr id="14" name="TextBox 13">
             <a:extLst>
               <a:ext uri="{FF2B5EF4-FFF2-40B4-BE49-F238E27FC236}">
-                <a16:creationId xmlns:a16="http://schemas.microsoft.com/office/drawing/2014/main" xmlns="" id="{3D1EF36B-ED50-F791-EDF7-B5D571D8BAF9}"/>
+                <a16:creationId xmlns="" xmlns:a16="http://schemas.microsoft.com/office/drawing/2014/main" id="{3D1EF36B-ED50-F791-EDF7-B5D571D8BAF9}"/>
               </a:ext>
             </a:extLst>
           </p:cNvPr>
@@ -7140,7 +7140,7 @@
           <p:cNvPr id="10" name="TextBox 9">
             <a:extLst>
               <a:ext uri="{FF2B5EF4-FFF2-40B4-BE49-F238E27FC236}">
-                <a16:creationId xmlns:a16="http://schemas.microsoft.com/office/drawing/2014/main" xmlns="" id="{30699579-571B-4699-74B2-283B4497A62B}"/>
+                <a16:creationId xmlns="" xmlns:a16="http://schemas.microsoft.com/office/drawing/2014/main" id="{30699579-571B-4699-74B2-283B4497A62B}"/>
               </a:ext>
             </a:extLst>
           </p:cNvPr>
@@ -7229,7 +7229,7 @@
           <p:cNvPr id="14" name="Rectangle 4">
             <a:extLst>
               <a:ext uri="{FF2B5EF4-FFF2-40B4-BE49-F238E27FC236}">
-                <a16:creationId xmlns:a16="http://schemas.microsoft.com/office/drawing/2014/main" xmlns="" id="{569E6471-AC88-9398-FCF6-64550EB0CA9C}"/>
+                <a16:creationId xmlns="" xmlns:a16="http://schemas.microsoft.com/office/drawing/2014/main" id="{569E6471-AC88-9398-FCF6-64550EB0CA9C}"/>
               </a:ext>
             </a:extLst>
           </p:cNvPr>
@@ -7965,7 +7965,7 @@
           <p:cNvPr id="11" name="TextBox 10">
             <a:extLst>
               <a:ext uri="{FF2B5EF4-FFF2-40B4-BE49-F238E27FC236}">
-                <a16:creationId xmlns:a16="http://schemas.microsoft.com/office/drawing/2014/main" xmlns="" id="{C6320647-75AD-2945-DD14-989E33BC3F44}"/>
+                <a16:creationId xmlns="" xmlns:a16="http://schemas.microsoft.com/office/drawing/2014/main" id="{C6320647-75AD-2945-DD14-989E33BC3F44}"/>
               </a:ext>
             </a:extLst>
           </p:cNvPr>
@@ -8563,7 +8563,7 @@
           <p:cNvPr id="12" name="Rectangle 3">
             <a:extLst>
               <a:ext uri="{FF2B5EF4-FFF2-40B4-BE49-F238E27FC236}">
-                <a16:creationId xmlns:a16="http://schemas.microsoft.com/office/drawing/2014/main" xmlns="" id="{DF437B59-C529-F874-DC1E-34BEDF36B113}"/>
+                <a16:creationId xmlns="" xmlns:a16="http://schemas.microsoft.com/office/drawing/2014/main" id="{DF437B59-C529-F874-DC1E-34BEDF36B113}"/>
               </a:ext>
             </a:extLst>
           </p:cNvPr>
@@ -9388,32 +9388,66 @@
       </p:sp>
       <p:pic>
         <p:nvPicPr>
-          <p:cNvPr id="10" name="Picture 9">
-            <a:extLst>
-              <a:ext uri="{FF2B5EF4-FFF2-40B4-BE49-F238E27FC236}">
-                <a16:creationId xmlns:a16="http://schemas.microsoft.com/office/drawing/2014/main" xmlns="" id="{2B76117E-BBA0-3C47-2F5F-70121361FEE8}"/>
-              </a:ext>
-            </a:extLst>
-          </p:cNvPr>
+          <p:cNvPr id="1027" name="Picture 3"/>
           <p:cNvPicPr>
-            <a:picLocks noChangeAspect="1"/>
+            <a:picLocks noChangeAspect="1" noChangeArrowheads="1"/>
           </p:cNvPicPr>
           <p:nvPr/>
         </p:nvPicPr>
         <p:blipFill>
-          <a:blip r:embed="rId3"/>
+          <a:blip r:embed="rId3">
+            <a:extLst>
+              <a:ext uri="{28A0092B-C50C-407E-A947-70E740481C1C}">
+                <a14:useLocalDpi xmlns:a14="http://schemas.microsoft.com/office/drawing/2010/main" val="0"/>
+              </a:ext>
+            </a:extLst>
+          </a:blip>
+          <a:srcRect/>
           <a:stretch>
             <a:fillRect/>
           </a:stretch>
         </p:blipFill>
-        <p:spPr>
+        <p:spPr bwMode="auto">
           <a:xfrm>
-            <a:off x="1524000" y="1869174"/>
-            <a:ext cx="7056120" cy="3508641"/>
+            <a:off x="719137" y="1905000"/>
+            <a:ext cx="8724900" cy="2809875"/>
           </a:xfrm>
           <a:prstGeom prst="rect">
             <a:avLst/>
           </a:prstGeom>
+          <a:noFill/>
+          <a:ln>
+            <a:noFill/>
+          </a:ln>
+          <a:effectLst/>
+          <a:extLst>
+            <a:ext uri="{909E8E84-426E-40DD-AFC4-6F175D3DCCD1}">
+              <a14:hiddenFill xmlns:a14="http://schemas.microsoft.com/office/drawing/2010/main">
+                <a:solidFill>
+                  <a:schemeClr val="accent1"/>
+                </a:solidFill>
+              </a14:hiddenFill>
+            </a:ext>
+            <a:ext uri="{91240B29-F687-4F45-9708-019B960494DF}">
+              <a14:hiddenLine xmlns:a14="http://schemas.microsoft.com/office/drawing/2010/main" w="9525">
+                <a:solidFill>
+                  <a:schemeClr val="tx1"/>
+                </a:solidFill>
+                <a:miter lim="800000"/>
+                <a:headEnd/>
+                <a:tailEnd/>
+              </a14:hiddenLine>
+            </a:ext>
+            <a:ext uri="{AF507438-7753-43E0-B8FC-AC1667EBCBE1}">
+              <a14:hiddenEffects xmlns:a14="http://schemas.microsoft.com/office/drawing/2010/main">
+                <a:effectLst>
+                  <a:outerShdw dist="35921" dir="2700000" algn="ctr" rotWithShape="0">
+                    <a:schemeClr val="bg2"/>
+                  </a:outerShdw>
+                </a:effectLst>
+              </a14:hiddenEffects>
+            </a:ext>
+          </a:extLst>
         </p:spPr>
       </p:pic>
     </p:spTree>
